--- a/articles/assets/graphics/demo_mschart_01.pptx
+++ b/articles/assets/graphics/demo_mschart_01.pptx
@@ -111,7 +111,7 @@
 </p:presentation>
 </file>
 
-<file path=ppt/charts/chart41ad2f1ff26f.xml><?xml version="1.0" encoding="utf-8"?>
+<file path=ppt/charts/chart14d613bf6c52.xml><?xml version="1.0" encoding="utf-8"?>
 <c:chartSpace xmlns:c="http://schemas.openxmlformats.org/drawingml/2006/chart" xmlns:a="http://schemas.openxmlformats.org/drawingml/2006/main" xmlns:r="http://schemas.openxmlformats.org/officeDocument/2006/relationships">
   <c:date1904 val="0"/>
   <c:lang val="fr-FR"/>
@@ -596,7 +596,7 @@
 </c:chartSpace>
 </file>
 
-<file path=ppt/charts/chart41ad7a1fa6ff.xml><?xml version="1.0" encoding="utf-8"?>
+<file path=ppt/charts/chart14d62a4ae956.xml><?xml version="1.0" encoding="utf-8"?>
 <c:chartSpace xmlns:c="http://schemas.openxmlformats.org/drawingml/2006/chart" xmlns:a="http://schemas.openxmlformats.org/drawingml/2006/main" xmlns:r="http://schemas.openxmlformats.org/officeDocument/2006/relationships">
   <c:date1904 val="0"/>
   <c:lang val="fr-FR"/>

--- a/articles/assets/graphics/demo_mschart_01.pptx
+++ b/articles/assets/graphics/demo_mschart_01.pptx
@@ -111,7 +111,7 @@
 </p:presentation>
 </file>
 
-<file path=ppt/charts/chart14d613bf6c52.xml><?xml version="1.0" encoding="utf-8"?>
+<file path=ppt/charts/chart2f472c3e1e56.xml><?xml version="1.0" encoding="utf-8"?>
 <c:chartSpace xmlns:c="http://schemas.openxmlformats.org/drawingml/2006/chart" xmlns:a="http://schemas.openxmlformats.org/drawingml/2006/main" xmlns:r="http://schemas.openxmlformats.org/officeDocument/2006/relationships">
   <c:date1904 val="0"/>
   <c:lang val="fr-FR"/>
@@ -596,7 +596,7 @@
 </c:chartSpace>
 </file>
 
-<file path=ppt/charts/chart14d62a4ae956.xml><?xml version="1.0" encoding="utf-8"?>
+<file path=ppt/charts/chart2f47347b9c5c.xml><?xml version="1.0" encoding="utf-8"?>
 <c:chartSpace xmlns:c="http://schemas.openxmlformats.org/drawingml/2006/chart" xmlns:a="http://schemas.openxmlformats.org/drawingml/2006/main" xmlns:r="http://schemas.openxmlformats.org/officeDocument/2006/relationships">
   <c:date1904 val="0"/>
   <c:lang val="fr-FR"/>

--- a/articles/assets/graphics/demo_mschart_01.pptx
+++ b/articles/assets/graphics/demo_mschart_01.pptx
@@ -111,7 +111,7 @@
 </p:presentation>
 </file>
 
-<file path=ppt/charts/chart2f472c3e1e56.xml><?xml version="1.0" encoding="utf-8"?>
+<file path=ppt/charts/chartd30489c997f.xml><?xml version="1.0" encoding="utf-8"?>
 <c:chartSpace xmlns:c="http://schemas.openxmlformats.org/drawingml/2006/chart" xmlns:a="http://schemas.openxmlformats.org/drawingml/2006/main" xmlns:r="http://schemas.openxmlformats.org/officeDocument/2006/relationships">
   <c:date1904 val="0"/>
   <c:lang val="fr-FR"/>
@@ -596,7 +596,7 @@
 </c:chartSpace>
 </file>
 
-<file path=ppt/charts/chart2f47347b9c5c.xml><?xml version="1.0" encoding="utf-8"?>
+<file path=ppt/charts/chartd30f3e2794.xml><?xml version="1.0" encoding="utf-8"?>
 <c:chartSpace xmlns:c="http://schemas.openxmlformats.org/drawingml/2006/chart" xmlns:a="http://schemas.openxmlformats.org/drawingml/2006/main" xmlns:r="http://schemas.openxmlformats.org/officeDocument/2006/relationships">
   <c:date1904 val="0"/>
   <c:lang val="fr-FR"/>

--- a/articles/assets/graphics/demo_mschart_01.pptx
+++ b/articles/assets/graphics/demo_mschart_01.pptx
@@ -111,7 +111,7 @@
 </p:presentation>
 </file>
 
-<file path=ppt/charts/chartd30489c997f.xml><?xml version="1.0" encoding="utf-8"?>
+<file path=ppt/charts/chart412e20491ea8.xml><?xml version="1.0" encoding="utf-8"?>
 <c:chartSpace xmlns:c="http://schemas.openxmlformats.org/drawingml/2006/chart" xmlns:a="http://schemas.openxmlformats.org/drawingml/2006/main" xmlns:r="http://schemas.openxmlformats.org/officeDocument/2006/relationships">
   <c:date1904 val="0"/>
   <c:lang val="fr-FR"/>
@@ -575,6 +575,23 @@
       <c:legendPos val="b"/>
       <c:layout/>
       <c:overlay val="0"/>
+      <c:txPr xmlns:c="http://schemas.openxmlformats.org/drawingml/2006/chart" xmlns:a="http://schemas.openxmlformats.org/drawingml/2006/main">
+        <a:bodyPr/>
+        <a:lstStyle/>
+        <a:p>
+          <a:pPr>
+            <a:defRPr sz="1400">
+              <a:solidFill>
+                <a:srgbClr val="000000">
+                  <a:alpha val="100000"/>
+                </a:srgbClr>
+              </a:solidFill>
+              <a:latin typeface="Arial"/>
+              <a:cs typeface="Arial"/>
+            </a:defRPr>
+          </a:pPr>
+        </a:p>
+      </c:txPr>
     </c:legend>
     <c:plotVisOnly val="1"/>
     <c:dispBlanksAs val="gap"/>
@@ -596,7 +613,7 @@
 </c:chartSpace>
 </file>
 
-<file path=ppt/charts/chartd30f3e2794.xml><?xml version="1.0" encoding="utf-8"?>
+<file path=ppt/charts/chart412e4f8a348f.xml><?xml version="1.0" encoding="utf-8"?>
 <c:chartSpace xmlns:c="http://schemas.openxmlformats.org/drawingml/2006/chart" xmlns:a="http://schemas.openxmlformats.org/drawingml/2006/main" xmlns:r="http://schemas.openxmlformats.org/officeDocument/2006/relationships">
   <c:date1904 val="0"/>
   <c:lang val="fr-FR"/>
@@ -1060,6 +1077,23 @@
       <c:legendPos val="b"/>
       <c:layout/>
       <c:overlay val="0"/>
+      <c:txPr xmlns:c="http://schemas.openxmlformats.org/drawingml/2006/chart" xmlns:a="http://schemas.openxmlformats.org/drawingml/2006/main">
+        <a:bodyPr/>
+        <a:lstStyle/>
+        <a:p>
+          <a:pPr>
+            <a:defRPr sz="1400">
+              <a:solidFill>
+                <a:srgbClr val="000000">
+                  <a:alpha val="100000"/>
+                </a:srgbClr>
+              </a:solidFill>
+              <a:latin typeface="Arial"/>
+              <a:cs typeface="Arial"/>
+            </a:defRPr>
+          </a:pPr>
+        </a:p>
+      </c:txPr>
     </c:legend>
     <c:plotVisOnly val="1"/>
     <c:dispBlanksAs val="gap"/>
@@ -3187,7 +3221,7 @@
       </p:grpSpPr>
       <p:graphicFrame xmlns:a="http://schemas.openxmlformats.org/drawingml/2006/main" xmlns:r="http://schemas.openxmlformats.org/officeDocument/2006/relationships" xmlns:p="http://schemas.openxmlformats.org/presentationml/2006/main">
         <p:nvGraphicFramePr>
-          <p:cNvPr name="" id="2"/>
+          <p:cNvPr id="2" name=""/>
           <p:cNvGraphicFramePr>
             <a:graphicFrameLocks noGrp="true"/>
           </p:cNvGraphicFramePr>
@@ -3230,7 +3264,7 @@
       </p:grpSpPr>
       <p:graphicFrame xmlns:a="http://schemas.openxmlformats.org/drawingml/2006/main" xmlns:r="http://schemas.openxmlformats.org/officeDocument/2006/relationships" xmlns:p="http://schemas.openxmlformats.org/presentationml/2006/main">
         <p:nvGraphicFramePr>
-          <p:cNvPr name="" id="2"/>
+          <p:cNvPr id="2" name=""/>
           <p:cNvGraphicFramePr>
             <a:graphicFrameLocks noGrp="true"/>
           </p:cNvGraphicFramePr>

--- a/articles/assets/graphics/demo_mschart_01.pptx
+++ b/articles/assets/graphics/demo_mschart_01.pptx
@@ -111,7 +111,7 @@
 </p:presentation>
 </file>
 
-<file path=ppt/charts/chart412e20491ea8.xml><?xml version="1.0" encoding="utf-8"?>
+<file path=ppt/charts/charta611ce299d1.xml><?xml version="1.0" encoding="utf-8"?>
 <c:chartSpace xmlns:c="http://schemas.openxmlformats.org/drawingml/2006/chart" xmlns:a="http://schemas.openxmlformats.org/drawingml/2006/main" xmlns:r="http://schemas.openxmlformats.org/officeDocument/2006/relationships">
   <c:date1904 val="0"/>
   <c:lang val="fr-FR"/>
@@ -613,7 +613,7 @@
 </c:chartSpace>
 </file>
 
-<file path=ppt/charts/chart412e4f8a348f.xml><?xml version="1.0" encoding="utf-8"?>
+<file path=ppt/charts/charta612657c957.xml><?xml version="1.0" encoding="utf-8"?>
 <c:chartSpace xmlns:c="http://schemas.openxmlformats.org/drawingml/2006/chart" xmlns:a="http://schemas.openxmlformats.org/drawingml/2006/main" xmlns:r="http://schemas.openxmlformats.org/officeDocument/2006/relationships">
   <c:date1904 val="0"/>
   <c:lang val="fr-FR"/>

--- a/articles/assets/graphics/demo_mschart_01.pptx
+++ b/articles/assets/graphics/demo_mschart_01.pptx
@@ -111,7 +111,7 @@
 </p:presentation>
 </file>
 
-<file path=ppt/charts/charta611ce299d1.xml><?xml version="1.0" encoding="utf-8"?>
+<file path=ppt/charts/chart2db566c5e7ce.xml><?xml version="1.0" encoding="utf-8"?>
 <c:chartSpace xmlns:c="http://schemas.openxmlformats.org/drawingml/2006/chart" xmlns:a="http://schemas.openxmlformats.org/drawingml/2006/main" xmlns:r="http://schemas.openxmlformats.org/officeDocument/2006/relationships">
   <c:date1904 val="0"/>
   <c:lang val="fr-FR"/>
@@ -613,7 +613,7 @@
 </c:chartSpace>
 </file>
 
-<file path=ppt/charts/charta612657c957.xml><?xml version="1.0" encoding="utf-8"?>
+<file path=ppt/charts/chart2db59494684.xml><?xml version="1.0" encoding="utf-8"?>
 <c:chartSpace xmlns:c="http://schemas.openxmlformats.org/drawingml/2006/chart" xmlns:a="http://schemas.openxmlformats.org/drawingml/2006/main" xmlns:r="http://schemas.openxmlformats.org/officeDocument/2006/relationships">
   <c:date1904 val="0"/>
   <c:lang val="fr-FR"/>

--- a/articles/assets/graphics/demo_mschart_01.pptx
+++ b/articles/assets/graphics/demo_mschart_01.pptx
@@ -111,7 +111,7 @@
 </p:presentation>
 </file>
 
-<file path=ppt/charts/chart2db566c5e7ce.xml><?xml version="1.0" encoding="utf-8"?>
+<file path=ppt/charts/chart4e211220aa30.xml><?xml version="1.0" encoding="utf-8"?>
 <c:chartSpace xmlns:c="http://schemas.openxmlformats.org/drawingml/2006/chart" xmlns:a="http://schemas.openxmlformats.org/drawingml/2006/main" xmlns:r="http://schemas.openxmlformats.org/officeDocument/2006/relationships">
   <c:date1904 val="0"/>
   <c:lang val="fr-FR"/>
@@ -613,7 +613,7 @@
 </c:chartSpace>
 </file>
 
-<file path=ppt/charts/chart2db59494684.xml><?xml version="1.0" encoding="utf-8"?>
+<file path=ppt/charts/chart4e21a150f69.xml><?xml version="1.0" encoding="utf-8"?>
 <c:chartSpace xmlns:c="http://schemas.openxmlformats.org/drawingml/2006/chart" xmlns:a="http://schemas.openxmlformats.org/drawingml/2006/main" xmlns:r="http://schemas.openxmlformats.org/officeDocument/2006/relationships">
   <c:date1904 val="0"/>
   <c:lang val="fr-FR"/>

--- a/articles/assets/graphics/demo_mschart_01.pptx
+++ b/articles/assets/graphics/demo_mschart_01.pptx
@@ -111,7 +111,7 @@
 </p:presentation>
 </file>
 
-<file path=ppt/charts/chart4e211220aa30.xml><?xml version="1.0" encoding="utf-8"?>
+<file path=ppt/charts/chart13e8197f2b5f.xml><?xml version="1.0" encoding="utf-8"?>
 <c:chartSpace xmlns:c="http://schemas.openxmlformats.org/drawingml/2006/chart" xmlns:a="http://schemas.openxmlformats.org/drawingml/2006/main" xmlns:r="http://schemas.openxmlformats.org/officeDocument/2006/relationships">
   <c:date1904 val="0"/>
   <c:lang val="fr-FR"/>
@@ -161,6 +161,34 @@
             </a:ln>
           </c:spPr>
           <c:invertIfNegative val="0"/>
+          <c:dLbls>
+            <c:numFmt formatCode="General" sourceLinked="0"/>
+            <c:txPr>
+              <a:bodyPr/>
+              <a:lstStyle/>
+              <a:p>
+                <a:pPr>
+                  <a:defRPr>
+                    <a:solidFill>
+                      <a:srgbClr val="000000">
+                        <a:alpha val="100000"/>
+                      </a:srgbClr>
+                    </a:solidFill>
+                    <a:latin typeface="Arial"/>
+                    <a:cs typeface="Arial"/>
+                  </a:defRPr>
+                </a:pPr>
+              </a:p>
+            </c:txPr>
+            <c:dLblPos val="ctr"/>
+            <c:showLegendKey val="0"/>
+            <c:showVal val="0"/>
+            <c:showCatName val="0"/>
+            <c:showSerName val="0"/>
+            <c:showPercent val="0"/>
+            <c:showBubbleSize val="0"/>
+            <c:separator val=", "/>
+          </c:dLbls>
           <c:cat>
             <c:strRef>
               <c:f>sheet1!$A$2:$A$7</c:f>
@@ -243,6 +271,34 @@
             </a:ln>
           </c:spPr>
           <c:invertIfNegative val="0"/>
+          <c:dLbls>
+            <c:numFmt formatCode="General" sourceLinked="0"/>
+            <c:txPr>
+              <a:bodyPr/>
+              <a:lstStyle/>
+              <a:p>
+                <a:pPr>
+                  <a:defRPr>
+                    <a:solidFill>
+                      <a:srgbClr val="000000">
+                        <a:alpha val="100000"/>
+                      </a:srgbClr>
+                    </a:solidFill>
+                    <a:latin typeface="Arial"/>
+                    <a:cs typeface="Arial"/>
+                  </a:defRPr>
+                </a:pPr>
+              </a:p>
+            </c:txPr>
+            <c:dLblPos val="ctr"/>
+            <c:showLegendKey val="0"/>
+            <c:showVal val="0"/>
+            <c:showCatName val="0"/>
+            <c:showSerName val="0"/>
+            <c:showPercent val="0"/>
+            <c:showBubbleSize val="0"/>
+            <c:separator val=", "/>
+          </c:dLbls>
           <c:cat>
             <c:strRef>
               <c:f>sheet1!$A$2:$A$7</c:f>
@@ -325,6 +381,34 @@
             </a:ln>
           </c:spPr>
           <c:invertIfNegative val="0"/>
+          <c:dLbls>
+            <c:numFmt formatCode="General" sourceLinked="0"/>
+            <c:txPr>
+              <a:bodyPr/>
+              <a:lstStyle/>
+              <a:p>
+                <a:pPr>
+                  <a:defRPr>
+                    <a:solidFill>
+                      <a:srgbClr val="000000">
+                        <a:alpha val="100000"/>
+                      </a:srgbClr>
+                    </a:solidFill>
+                    <a:latin typeface="Arial"/>
+                    <a:cs typeface="Arial"/>
+                  </a:defRPr>
+                </a:pPr>
+              </a:p>
+            </c:txPr>
+            <c:dLblPos val="ctr"/>
+            <c:showLegendKey val="0"/>
+            <c:showVal val="0"/>
+            <c:showCatName val="0"/>
+            <c:showSerName val="0"/>
+            <c:showPercent val="0"/>
+            <c:showBubbleSize val="0"/>
+            <c:separator val=", "/>
+          </c:dLbls>
           <c:cat>
             <c:strRef>
               <c:f>sheet1!$A$2:$A$7</c:f>
@@ -413,14 +497,6 @@
             </a:ln>
           </c:spPr>
         </c:majorGridlines>
-        <c:minorGridlines>
-          <c:spPr>
-            <a:ln algn="ctr" w="0">
-              <a:noFill/>
-              <a:prstDash val="solid"/>
-            </a:ln>
-          </c:spPr>
-        </c:minorGridlines>
         <c:title>
           <c:tx>
             <c:rich>
@@ -501,14 +577,6 @@
             </a:ln>
           </c:spPr>
         </c:majorGridlines>
-        <c:minorGridlines>
-          <c:spPr>
-            <a:ln algn="ctr" w="0">
-              <a:noFill/>
-              <a:prstDash val="solid"/>
-            </a:ln>
-          </c:spPr>
-        </c:minorGridlines>
         <c:title>
           <c:tx>
             <c:rich>
@@ -613,7 +681,7 @@
 </c:chartSpace>
 </file>
 
-<file path=ppt/charts/chart4e21a150f69.xml><?xml version="1.0" encoding="utf-8"?>
+<file path=ppt/charts/chart13e833cf6cc2.xml><?xml version="1.0" encoding="utf-8"?>
 <c:chartSpace xmlns:c="http://schemas.openxmlformats.org/drawingml/2006/chart" xmlns:a="http://schemas.openxmlformats.org/drawingml/2006/main" xmlns:r="http://schemas.openxmlformats.org/officeDocument/2006/relationships">
   <c:date1904 val="0"/>
   <c:lang val="fr-FR"/>
@@ -663,6 +731,34 @@
             </a:ln>
           </c:spPr>
           <c:invertIfNegative val="0"/>
+          <c:dLbls>
+            <c:numFmt formatCode="General" sourceLinked="0"/>
+            <c:txPr>
+              <a:bodyPr/>
+              <a:lstStyle/>
+              <a:p>
+                <a:pPr>
+                  <a:defRPr>
+                    <a:solidFill>
+                      <a:srgbClr val="000000">
+                        <a:alpha val="100000"/>
+                      </a:srgbClr>
+                    </a:solidFill>
+                    <a:latin typeface="Arial"/>
+                    <a:cs typeface="Arial"/>
+                  </a:defRPr>
+                </a:pPr>
+              </a:p>
+            </c:txPr>
+            <c:dLblPos val="ctr"/>
+            <c:showLegendKey val="0"/>
+            <c:showVal val="0"/>
+            <c:showCatName val="0"/>
+            <c:showSerName val="0"/>
+            <c:showPercent val="0"/>
+            <c:showBubbleSize val="0"/>
+            <c:separator val=", "/>
+          </c:dLbls>
           <c:cat>
             <c:strRef>
               <c:f>sheet1!$A$2:$A$7</c:f>
@@ -745,6 +841,34 @@
             </a:ln>
           </c:spPr>
           <c:invertIfNegative val="0"/>
+          <c:dLbls>
+            <c:numFmt formatCode="General" sourceLinked="0"/>
+            <c:txPr>
+              <a:bodyPr/>
+              <a:lstStyle/>
+              <a:p>
+                <a:pPr>
+                  <a:defRPr>
+                    <a:solidFill>
+                      <a:srgbClr val="000000">
+                        <a:alpha val="100000"/>
+                      </a:srgbClr>
+                    </a:solidFill>
+                    <a:latin typeface="Arial"/>
+                    <a:cs typeface="Arial"/>
+                  </a:defRPr>
+                </a:pPr>
+              </a:p>
+            </c:txPr>
+            <c:dLblPos val="ctr"/>
+            <c:showLegendKey val="0"/>
+            <c:showVal val="0"/>
+            <c:showCatName val="0"/>
+            <c:showSerName val="0"/>
+            <c:showPercent val="0"/>
+            <c:showBubbleSize val="0"/>
+            <c:separator val=", "/>
+          </c:dLbls>
           <c:cat>
             <c:strRef>
               <c:f>sheet1!$A$2:$A$7</c:f>
@@ -827,6 +951,34 @@
             </a:ln>
           </c:spPr>
           <c:invertIfNegative val="0"/>
+          <c:dLbls>
+            <c:numFmt formatCode="General" sourceLinked="0"/>
+            <c:txPr>
+              <a:bodyPr/>
+              <a:lstStyle/>
+              <a:p>
+                <a:pPr>
+                  <a:defRPr>
+                    <a:solidFill>
+                      <a:srgbClr val="000000">
+                        <a:alpha val="100000"/>
+                      </a:srgbClr>
+                    </a:solidFill>
+                    <a:latin typeface="Arial"/>
+                    <a:cs typeface="Arial"/>
+                  </a:defRPr>
+                </a:pPr>
+              </a:p>
+            </c:txPr>
+            <c:dLblPos val="ctr"/>
+            <c:showLegendKey val="0"/>
+            <c:showVal val="0"/>
+            <c:showCatName val="0"/>
+            <c:showSerName val="0"/>
+            <c:showPercent val="0"/>
+            <c:showBubbleSize val="0"/>
+            <c:separator val=", "/>
+          </c:dLbls>
           <c:cat>
             <c:strRef>
               <c:f>sheet1!$A$2:$A$7</c:f>
@@ -915,14 +1067,6 @@
             </a:ln>
           </c:spPr>
         </c:majorGridlines>
-        <c:minorGridlines>
-          <c:spPr>
-            <a:ln algn="ctr" w="0">
-              <a:noFill/>
-              <a:prstDash val="solid"/>
-            </a:ln>
-          </c:spPr>
-        </c:minorGridlines>
         <c:title>
           <c:tx>
             <c:rich>
@@ -1003,14 +1147,6 @@
             </a:ln>
           </c:spPr>
         </c:majorGridlines>
-        <c:minorGridlines>
-          <c:spPr>
-            <a:ln algn="ctr" w="0">
-              <a:noFill/>
-              <a:prstDash val="solid"/>
-            </a:ln>
-          </c:spPr>
-        </c:minorGridlines>
         <c:title>
           <c:tx>
             <c:rich>

--- a/articles/assets/graphics/demo_mschart_01.pptx
+++ b/articles/assets/graphics/demo_mschart_01.pptx
@@ -111,7 +111,7 @@
 </p:presentation>
 </file>
 
-<file path=ppt/charts/chart13e8197f2b5f.xml><?xml version="1.0" encoding="utf-8"?>
+<file path=ppt/charts/chart14be4393e314.xml><?xml version="1.0" encoding="utf-8"?>
 <c:chartSpace xmlns:c="http://schemas.openxmlformats.org/drawingml/2006/chart" xmlns:a="http://schemas.openxmlformats.org/drawingml/2006/main" xmlns:r="http://schemas.openxmlformats.org/officeDocument/2006/relationships">
   <c:date1904 val="0"/>
   <c:lang val="fr-FR"/>
@@ -681,7 +681,7 @@
 </c:chartSpace>
 </file>
 
-<file path=ppt/charts/chart13e833cf6cc2.xml><?xml version="1.0" encoding="utf-8"?>
+<file path=ppt/charts/chart14befd9e8f5.xml><?xml version="1.0" encoding="utf-8"?>
 <c:chartSpace xmlns:c="http://schemas.openxmlformats.org/drawingml/2006/chart" xmlns:a="http://schemas.openxmlformats.org/drawingml/2006/main" xmlns:r="http://schemas.openxmlformats.org/officeDocument/2006/relationships">
   <c:date1904 val="0"/>
   <c:lang val="fr-FR"/>

--- a/articles/assets/graphics/demo_mschart_01.pptx
+++ b/articles/assets/graphics/demo_mschart_01.pptx
@@ -111,7 +111,7 @@
 </p:presentation>
 </file>
 
-<file path=ppt/charts/chart14be4393e314.xml><?xml version="1.0" encoding="utf-8"?>
+<file path=ppt/charts/chartf93f6aa37855.xml><?xml version="1.0" encoding="utf-8"?>
 <c:chartSpace xmlns:c="http://schemas.openxmlformats.org/drawingml/2006/chart" xmlns:a="http://schemas.openxmlformats.org/drawingml/2006/main" xmlns:r="http://schemas.openxmlformats.org/officeDocument/2006/relationships">
   <c:date1904 val="0"/>
   <c:lang val="fr-FR"/>
@@ -168,7 +168,7 @@
               <a:lstStyle/>
               <a:p>
                 <a:pPr>
-                  <a:defRPr>
+                  <a:defRPr cap="none">
                     <a:solidFill>
                       <a:srgbClr val="000000">
                         <a:alpha val="100000"/>
@@ -278,7 +278,7 @@
               <a:lstStyle/>
               <a:p>
                 <a:pPr>
-                  <a:defRPr>
+                  <a:defRPr cap="none">
                     <a:solidFill>
                       <a:srgbClr val="000000">
                         <a:alpha val="100000"/>
@@ -388,7 +388,7 @@
               <a:lstStyle/>
               <a:p>
                 <a:pPr>
-                  <a:defRPr>
+                  <a:defRPr cap="none">
                     <a:solidFill>
                       <a:srgbClr val="000000">
                         <a:alpha val="100000"/>
@@ -507,7 +507,7 @@
                   <a:defRPr/>
                 </a:pPr>
                 <a:r>
-                  <a:rPr sz="1600" b="1">
+                  <a:rPr cap="none" sz="1600" b="1">
                     <a:solidFill>
                       <a:srgbClr val="000000">
                         <a:alpha val="100000"/>
@@ -532,7 +532,7 @@
           <a:lstStyle/>
           <a:p>
             <a:pPr>
-              <a:defRPr sz="1000">
+              <a:defRPr cap="none" sz="1000">
                 <a:solidFill>
                   <a:srgbClr val="000000">
                     <a:alpha val="100000"/>
@@ -587,7 +587,7 @@
                   <a:defRPr/>
                 </a:pPr>
                 <a:r>
-                  <a:rPr sz="1600" b="1">
+                  <a:rPr cap="none" sz="1600" b="1">
                     <a:solidFill>
                       <a:srgbClr val="000000">
                         <a:alpha val="100000"/>
@@ -612,7 +612,7 @@
           <a:lstStyle/>
           <a:p>
             <a:pPr>
-              <a:defRPr sz="1000">
+              <a:defRPr cap="none" sz="1000">
                 <a:solidFill>
                   <a:srgbClr val="000000">
                     <a:alpha val="100000"/>
@@ -648,7 +648,7 @@
         <a:lstStyle/>
         <a:p>
           <a:pPr>
-            <a:defRPr sz="1400">
+            <a:defRPr cap="none" sz="1400">
               <a:solidFill>
                 <a:srgbClr val="000000">
                   <a:alpha val="100000"/>
@@ -681,7 +681,7 @@
 </c:chartSpace>
 </file>
 
-<file path=ppt/charts/chart14befd9e8f5.xml><?xml version="1.0" encoding="utf-8"?>
+<file path=ppt/charts/chartf93f736533c7.xml><?xml version="1.0" encoding="utf-8"?>
 <c:chartSpace xmlns:c="http://schemas.openxmlformats.org/drawingml/2006/chart" xmlns:a="http://schemas.openxmlformats.org/drawingml/2006/main" xmlns:r="http://schemas.openxmlformats.org/officeDocument/2006/relationships">
   <c:date1904 val="0"/>
   <c:lang val="fr-FR"/>
@@ -738,7 +738,7 @@
               <a:lstStyle/>
               <a:p>
                 <a:pPr>
-                  <a:defRPr>
+                  <a:defRPr cap="none">
                     <a:solidFill>
                       <a:srgbClr val="000000">
                         <a:alpha val="100000"/>
@@ -848,7 +848,7 @@
               <a:lstStyle/>
               <a:p>
                 <a:pPr>
-                  <a:defRPr>
+                  <a:defRPr cap="none">
                     <a:solidFill>
                       <a:srgbClr val="000000">
                         <a:alpha val="100000"/>
@@ -958,7 +958,7 @@
               <a:lstStyle/>
               <a:p>
                 <a:pPr>
-                  <a:defRPr>
+                  <a:defRPr cap="none">
                     <a:solidFill>
                       <a:srgbClr val="000000">
                         <a:alpha val="100000"/>
@@ -1077,7 +1077,7 @@
                   <a:defRPr/>
                 </a:pPr>
                 <a:r>
-                  <a:rPr sz="1600" b="1">
+                  <a:rPr cap="none" sz="1600" b="1">
                     <a:solidFill>
                       <a:srgbClr val="000000">
                         <a:alpha val="100000"/>
@@ -1102,7 +1102,7 @@
           <a:lstStyle/>
           <a:p>
             <a:pPr>
-              <a:defRPr sz="1000">
+              <a:defRPr cap="none" sz="1000">
                 <a:solidFill>
                   <a:srgbClr val="000000">
                     <a:alpha val="100000"/>
@@ -1157,7 +1157,7 @@
                   <a:defRPr/>
                 </a:pPr>
                 <a:r>
-                  <a:rPr sz="1600" b="1">
+                  <a:rPr cap="none" sz="1600" b="1">
                     <a:solidFill>
                       <a:srgbClr val="000000">
                         <a:alpha val="100000"/>
@@ -1182,7 +1182,7 @@
           <a:lstStyle/>
           <a:p>
             <a:pPr>
-              <a:defRPr sz="1000">
+              <a:defRPr cap="none" sz="1000">
                 <a:solidFill>
                   <a:srgbClr val="000000">
                     <a:alpha val="100000"/>
@@ -1218,7 +1218,7 @@
         <a:lstStyle/>
         <a:p>
           <a:pPr>
-            <a:defRPr sz="1400">
+            <a:defRPr cap="none" sz="1400">
               <a:solidFill>
                 <a:srgbClr val="000000">
                   <a:alpha val="100000"/>

--- a/articles/assets/graphics/demo_mschart_01.pptx
+++ b/articles/assets/graphics/demo_mschart_01.pptx
@@ -111,7 +111,7 @@
 </p:presentation>
 </file>
 
-<file path=ppt/charts/chartf93f6aa37855.xml><?xml version="1.0" encoding="utf-8"?>
+<file path=ppt/charts/chartb0b659089307.xml><?xml version="1.0" encoding="utf-8"?>
 <c:chartSpace xmlns:c="http://schemas.openxmlformats.org/drawingml/2006/chart" xmlns:a="http://schemas.openxmlformats.org/drawingml/2006/main" xmlns:r="http://schemas.openxmlformats.org/officeDocument/2006/relationships">
   <c:date1904 val="0"/>
   <c:lang val="fr-FR"/>
@@ -125,7 +125,7 @@
     </mc:Fallback>
   </mc:AlternateContent>
   <c:chart>
-    <c:autoTitleDeleted val="0"/>
+    <c:autoTitleDeleted val="1"/>
     <c:plotArea xmlns:c="http://schemas.openxmlformats.org/drawingml/2006/chart" xmlns:a="http://schemas.openxmlformats.org/drawingml/2006/main" xmlns:r="http://schemas.openxmlformats.org/officeDocument/2006/relationships">
       <c:layout/>
       <c:barChart>
@@ -159,6 +159,7 @@
                 </a:srgbClr>
               </a:solidFill>
             </a:ln>
+            <a:effectLst/>
           </c:spPr>
           <c:invertIfNegative val="0"/>
           <c:dLbls>
@@ -269,6 +270,7 @@
                 </a:srgbClr>
               </a:solidFill>
             </a:ln>
+            <a:effectLst/>
           </c:spPr>
           <c:invertIfNegative val="0"/>
           <c:dLbls>
@@ -379,6 +381,7 @@
                 </a:srgbClr>
               </a:solidFill>
             </a:ln>
+            <a:effectLst/>
           </c:spPr>
           <c:invertIfNegative val="0"/>
           <c:dLbls>
@@ -681,7 +684,7 @@
 </c:chartSpace>
 </file>
 
-<file path=ppt/charts/chartf93f736533c7.xml><?xml version="1.0" encoding="utf-8"?>
+<file path=ppt/charts/chartb0b666d0a912.xml><?xml version="1.0" encoding="utf-8"?>
 <c:chartSpace xmlns:c="http://schemas.openxmlformats.org/drawingml/2006/chart" xmlns:a="http://schemas.openxmlformats.org/drawingml/2006/main" xmlns:r="http://schemas.openxmlformats.org/officeDocument/2006/relationships">
   <c:date1904 val="0"/>
   <c:lang val="fr-FR"/>
@@ -695,7 +698,7 @@
     </mc:Fallback>
   </mc:AlternateContent>
   <c:chart>
-    <c:autoTitleDeleted val="0"/>
+    <c:autoTitleDeleted val="1"/>
     <c:plotArea xmlns:c="http://schemas.openxmlformats.org/drawingml/2006/chart" xmlns:a="http://schemas.openxmlformats.org/drawingml/2006/main" xmlns:r="http://schemas.openxmlformats.org/officeDocument/2006/relationships">
       <c:layout/>
       <c:barChart>
@@ -729,6 +732,7 @@
                 </a:srgbClr>
               </a:solidFill>
             </a:ln>
+            <a:effectLst/>
           </c:spPr>
           <c:invertIfNegative val="0"/>
           <c:dLbls>
@@ -839,6 +843,7 @@
                 </a:srgbClr>
               </a:solidFill>
             </a:ln>
+            <a:effectLst/>
           </c:spPr>
           <c:invertIfNegative val="0"/>
           <c:dLbls>
@@ -949,6 +954,7 @@
                 </a:srgbClr>
               </a:solidFill>
             </a:ln>
+            <a:effectLst/>
           </c:spPr>
           <c:invertIfNegative val="0"/>
           <c:dLbls>

--- a/articles/assets/graphics/demo_mschart_01.pptx
+++ b/articles/assets/graphics/demo_mschart_01.pptx
@@ -111,7 +111,7 @@
 </p:presentation>
 </file>
 
-<file path=ppt/charts/chartb0b659089307.xml><?xml version="1.0" encoding="utf-8"?>
+<file path=ppt/charts/chart1374a7d2c5f95.xml><?xml version="1.0" encoding="utf-8"?>
 <c:chartSpace xmlns:c="http://schemas.openxmlformats.org/drawingml/2006/chart" xmlns:a="http://schemas.openxmlformats.org/drawingml/2006/main" xmlns:r="http://schemas.openxmlformats.org/officeDocument/2006/relationships">
   <c:date1904 val="0"/>
   <c:lang val="fr-FR"/>
@@ -684,7 +684,7 @@
 </c:chartSpace>
 </file>
 
-<file path=ppt/charts/chartb0b666d0a912.xml><?xml version="1.0" encoding="utf-8"?>
+<file path=ppt/charts/chart1374ac0efa95.xml><?xml version="1.0" encoding="utf-8"?>
 <c:chartSpace xmlns:c="http://schemas.openxmlformats.org/drawingml/2006/chart" xmlns:a="http://schemas.openxmlformats.org/drawingml/2006/main" xmlns:r="http://schemas.openxmlformats.org/officeDocument/2006/relationships">
   <c:date1904 val="0"/>
   <c:lang val="fr-FR"/>

--- a/articles/assets/graphics/demo_mschart_01.pptx
+++ b/articles/assets/graphics/demo_mschart_01.pptx
@@ -111,7 +111,7 @@
 </p:presentation>
 </file>
 
-<file path=ppt/charts/chart1374a7d2c5f95.xml><?xml version="1.0" encoding="utf-8"?>
+<file path=ppt/charts/chart9d43749c43e2.xml><?xml version="1.0" encoding="utf-8"?>
 <c:chartSpace xmlns:c="http://schemas.openxmlformats.org/drawingml/2006/chart" xmlns:a="http://schemas.openxmlformats.org/drawingml/2006/main" xmlns:r="http://schemas.openxmlformats.org/officeDocument/2006/relationships">
   <c:date1904 val="0"/>
   <c:lang val="fr-FR"/>
@@ -684,7 +684,7 @@
 </c:chartSpace>
 </file>
 
-<file path=ppt/charts/chart1374ac0efa95.xml><?xml version="1.0" encoding="utf-8"?>
+<file path=ppt/charts/chart9d43b248e85.xml><?xml version="1.0" encoding="utf-8"?>
 <c:chartSpace xmlns:c="http://schemas.openxmlformats.org/drawingml/2006/chart" xmlns:a="http://schemas.openxmlformats.org/drawingml/2006/main" xmlns:r="http://schemas.openxmlformats.org/officeDocument/2006/relationships">
   <c:date1904 val="0"/>
   <c:lang val="fr-FR"/>

--- a/articles/assets/graphics/demo_mschart_01.pptx
+++ b/articles/assets/graphics/demo_mschart_01.pptx
@@ -111,7 +111,7 @@
 </p:presentation>
 </file>
 
-<file path=ppt/charts/chart9d43749c43e2.xml><?xml version="1.0" encoding="utf-8"?>
+<file path=ppt/charts/chartb383348c021b.xml><?xml version="1.0" encoding="utf-8"?>
 <c:chartSpace xmlns:c="http://schemas.openxmlformats.org/drawingml/2006/chart" xmlns:a="http://schemas.openxmlformats.org/drawingml/2006/main" xmlns:r="http://schemas.openxmlformats.org/officeDocument/2006/relationships">
   <c:date1904 val="0"/>
   <c:lang val="fr-FR"/>
@@ -684,7 +684,7 @@
 </c:chartSpace>
 </file>
 
-<file path=ppt/charts/chart9d43b248e85.xml><?xml version="1.0" encoding="utf-8"?>
+<file path=ppt/charts/chartb3837189ae41.xml><?xml version="1.0" encoding="utf-8"?>
 <c:chartSpace xmlns:c="http://schemas.openxmlformats.org/drawingml/2006/chart" xmlns:a="http://schemas.openxmlformats.org/drawingml/2006/main" xmlns:r="http://schemas.openxmlformats.org/officeDocument/2006/relationships">
   <c:date1904 val="0"/>
   <c:lang val="fr-FR"/>
